--- a/test/test.pptx
+++ b/test/test.pptx
@@ -31,7 +31,7 @@
       </p:grpSpPr>
       <p:sp>
         <p:nvSpPr>
-          <p:cNvPr id="5" name="PlaceHolder 1"/>
+          <p:cNvPr id="4" name="PlaceHolder 1"/>
           <p:cNvSpPr>
             <a:spLocks noGrp="1"/>
           </p:cNvSpPr>
@@ -41,8 +41,8 @@
         </p:nvSpPr>
         <p:spPr>
           <a:xfrm>
-            <a:off x="504000" y="386280"/>
-            <a:ext cx="9071280" cy="625320"/>
+            <a:off x="504000" y="385920"/>
+            <a:ext cx="9070920" cy="625320"/>
           </a:xfrm>
           <a:prstGeom prst="rect">
             <a:avLst/>
@@ -73,7 +73,7 @@
       </p:sp>
       <p:sp>
         <p:nvSpPr>
-          <p:cNvPr id="6" name="PlaceHolder 2"/>
+          <p:cNvPr id="5" name="PlaceHolder 2"/>
           <p:cNvSpPr>
             <a:spLocks noGrp="1"/>
           </p:cNvSpPr>
@@ -147,7 +147,7 @@
         <p:txBody>
           <a:bodyPr/>
           <a:p>
-            <a:fld id="{CF642DF0-BA71-486E-82DA-D347D13733A1}" type="slidenum">
+            <a:fld id="{FD8F446C-1156-4ABA-BEDE-B6950A141887}" type="slidenum">
               <a:t>&lt;#&gt;</a:t>
             </a:fld>
           </a:p>
@@ -208,8 +208,8 @@
         </p:nvSpPr>
         <p:spPr>
           <a:xfrm>
-            <a:off x="504000" y="561600"/>
-            <a:ext cx="9071280" cy="274680"/>
+            <a:off x="504000" y="561240"/>
+            <a:ext cx="9070920" cy="274680"/>
           </a:xfrm>
           <a:prstGeom prst="rect">
             <a:avLst/>
@@ -262,7 +262,7 @@
         <p:spPr>
           <a:xfrm>
             <a:off x="3447360" y="5165280"/>
-            <a:ext cx="3194640" cy="390240"/>
+            <a:ext cx="3194280" cy="389880"/>
           </a:xfrm>
           <a:prstGeom prst="rect">
             <a:avLst/>
@@ -314,7 +314,7 @@
                 <a:uFillTx/>
                 <a:latin typeface="Times New Roman"/>
               </a:rPr>
-              <a:t> </a:t>
+              <a:t>&lt;footer&gt;</a:t>
             </a:r>
             <a:endParaRPr b="0" lang="en-US" sz="1400" strike="noStrike" u="none">
               <a:solidFill>
@@ -340,7 +340,7 @@
         <p:spPr>
           <a:xfrm>
             <a:off x="7227360" y="5165280"/>
-            <a:ext cx="2347920" cy="390240"/>
+            <a:ext cx="2347560" cy="389880"/>
           </a:xfrm>
           <a:prstGeom prst="rect">
             <a:avLst/>
@@ -383,7 +383,7 @@
                 <a:tab algn="l" pos="0"/>
               </a:tabLst>
             </a:pPr>
-            <a:fld id="{C540557A-C085-48FD-8376-BF45273BDA49}" type="slidenum">
+            <a:fld id="{78CB261C-28BA-4225-82FB-9CD91061CDC2}" type="slidenum">
               <a:rPr b="0" lang="en-US" sz="1400" strike="noStrike" u="none">
                 <a:solidFill>
                   <a:srgbClr val="000000"/>
@@ -392,7 +392,7 @@
                 <a:uFillTx/>
                 <a:latin typeface="Times New Roman"/>
               </a:rPr>
-              <a:t>1</a:t>
+              <a:t>&lt;number&gt;</a:t>
             </a:fld>
             <a:endParaRPr b="0" lang="en-US" sz="1400" strike="noStrike" u="none">
               <a:solidFill>
@@ -418,7 +418,7 @@
         <p:spPr>
           <a:xfrm>
             <a:off x="504000" y="5165280"/>
-            <a:ext cx="2347920" cy="390240"/>
+            <a:ext cx="2347560" cy="389880"/>
           </a:xfrm>
           <a:prstGeom prst="rect">
             <a:avLst/>
@@ -458,7 +458,7 @@
                 <a:uFillTx/>
                 <a:latin typeface="Times New Roman"/>
               </a:rPr>
-              <a:t> </a:t>
+              <a:t>&lt;date/time&gt;</a:t>
             </a:r>
             <a:endParaRPr b="0" lang="en-US" sz="1400" strike="noStrike" u="none">
               <a:solidFill>
@@ -467,259 +467,6 @@
               <a:effectLst/>
               <a:uFillTx/>
               <a:latin typeface="Times New Roman"/>
-            </a:endParaRPr>
-          </a:p>
-        </p:txBody>
-      </p:sp>
-      <p:sp>
-        <p:nvSpPr>
-          <p:cNvPr id="4" name="PlaceHolder 5"/>
-          <p:cNvSpPr>
-            <a:spLocks noGrp="1"/>
-          </p:cNvSpPr>
-          <p:nvPr>
-            <p:ph type="body"/>
-          </p:nvPr>
-        </p:nvSpPr>
-        <p:spPr>
-          <a:xfrm>
-            <a:off x="504000" y="1326600"/>
-            <a:ext cx="9072000" cy="3288600"/>
-          </a:xfrm>
-          <a:prstGeom prst="rect">
-            <a:avLst/>
-          </a:prstGeom>
-          <a:noFill/>
-          <a:ln w="0">
-            <a:noFill/>
-          </a:ln>
-        </p:spPr>
-        <p:txBody>
-          <a:bodyPr lIns="0" rIns="0" tIns="0" bIns="0" anchor="t">
-            <a:normAutofit/>
-          </a:bodyPr>
-          <a:p>
-            <a:pPr marL="432000" indent="-324000">
-              <a:spcBef>
-                <a:spcPts val="1417"/>
-              </a:spcBef>
-              <a:buClr>
-                <a:srgbClr val="000000"/>
-              </a:buClr>
-              <a:buSzPct val="45000"/>
-              <a:buFont typeface="Wingdings" charset="2"/>
-              <a:buChar char=""/>
-            </a:pPr>
-            <a:r>
-              <a:rPr b="0" lang="en-US" sz="3200" strike="noStrike" u="none">
-                <a:solidFill>
-                  <a:srgbClr val="000000"/>
-                </a:solidFill>
-                <a:effectLst/>
-                <a:uFillTx/>
-                <a:latin typeface="Arial"/>
-              </a:rPr>
-              <a:t>Click to edit the outline text format</a:t>
-            </a:r>
-            <a:endParaRPr b="0" lang="en-US" sz="3200" strike="noStrike" u="none">
-              <a:solidFill>
-                <a:srgbClr val="000000"/>
-              </a:solidFill>
-              <a:effectLst/>
-              <a:uFillTx/>
-              <a:latin typeface="Arial"/>
-            </a:endParaRPr>
-          </a:p>
-          <a:p>
-            <a:pPr lvl="1" marL="864000" indent="-324000">
-              <a:spcBef>
-                <a:spcPts val="1134"/>
-              </a:spcBef>
-              <a:buClr>
-                <a:srgbClr val="000000"/>
-              </a:buClr>
-              <a:buSzPct val="75000"/>
-              <a:buFont typeface="Symbol" charset="2"/>
-              <a:buChar char=""/>
-            </a:pPr>
-            <a:r>
-              <a:rPr b="0" lang="en-US" sz="2800" strike="noStrike" u="none">
-                <a:solidFill>
-                  <a:srgbClr val="000000"/>
-                </a:solidFill>
-                <a:effectLst/>
-                <a:uFillTx/>
-                <a:latin typeface="Arial"/>
-              </a:rPr>
-              <a:t>Second Outline Level</a:t>
-            </a:r>
-            <a:endParaRPr b="0" lang="en-US" sz="2800" strike="noStrike" u="none">
-              <a:solidFill>
-                <a:srgbClr val="000000"/>
-              </a:solidFill>
-              <a:effectLst/>
-              <a:uFillTx/>
-              <a:latin typeface="Arial"/>
-            </a:endParaRPr>
-          </a:p>
-          <a:p>
-            <a:pPr lvl="2" marL="1296000" indent="-288000">
-              <a:spcBef>
-                <a:spcPts val="850"/>
-              </a:spcBef>
-              <a:buClr>
-                <a:srgbClr val="000000"/>
-              </a:buClr>
-              <a:buSzPct val="45000"/>
-              <a:buFont typeface="Wingdings" charset="2"/>
-              <a:buChar char=""/>
-            </a:pPr>
-            <a:r>
-              <a:rPr b="0" lang="en-US" sz="2400" strike="noStrike" u="none">
-                <a:solidFill>
-                  <a:srgbClr val="000000"/>
-                </a:solidFill>
-                <a:effectLst/>
-                <a:uFillTx/>
-                <a:latin typeface="Arial"/>
-              </a:rPr>
-              <a:t>Third Outline Level</a:t>
-            </a:r>
-            <a:endParaRPr b="0" lang="en-US" sz="2400" strike="noStrike" u="none">
-              <a:solidFill>
-                <a:srgbClr val="000000"/>
-              </a:solidFill>
-              <a:effectLst/>
-              <a:uFillTx/>
-              <a:latin typeface="Arial"/>
-            </a:endParaRPr>
-          </a:p>
-          <a:p>
-            <a:pPr lvl="3" marL="1728000" indent="-216000">
-              <a:spcBef>
-                <a:spcPts val="567"/>
-              </a:spcBef>
-              <a:buClr>
-                <a:srgbClr val="000000"/>
-              </a:buClr>
-              <a:buSzPct val="75000"/>
-              <a:buFont typeface="Symbol" charset="2"/>
-              <a:buChar char=""/>
-            </a:pPr>
-            <a:r>
-              <a:rPr b="0" lang="en-US" sz="2000" strike="noStrike" u="none">
-                <a:solidFill>
-                  <a:srgbClr val="000000"/>
-                </a:solidFill>
-                <a:effectLst/>
-                <a:uFillTx/>
-                <a:latin typeface="Arial"/>
-              </a:rPr>
-              <a:t>Fourth Outline Level</a:t>
-            </a:r>
-            <a:endParaRPr b="0" lang="en-US" sz="2000" strike="noStrike" u="none">
-              <a:solidFill>
-                <a:srgbClr val="000000"/>
-              </a:solidFill>
-              <a:effectLst/>
-              <a:uFillTx/>
-              <a:latin typeface="Arial"/>
-            </a:endParaRPr>
-          </a:p>
-          <a:p>
-            <a:pPr lvl="4" marL="2160000" indent="-216000">
-              <a:spcBef>
-                <a:spcPts val="283"/>
-              </a:spcBef>
-              <a:buClr>
-                <a:srgbClr val="000000"/>
-              </a:buClr>
-              <a:buSzPct val="45000"/>
-              <a:buFont typeface="Wingdings" charset="2"/>
-              <a:buChar char=""/>
-            </a:pPr>
-            <a:r>
-              <a:rPr b="0" lang="en-US" sz="2000" strike="noStrike" u="none">
-                <a:solidFill>
-                  <a:srgbClr val="000000"/>
-                </a:solidFill>
-                <a:effectLst/>
-                <a:uFillTx/>
-                <a:latin typeface="Arial"/>
-              </a:rPr>
-              <a:t>Fifth Outline Level</a:t>
-            </a:r>
-            <a:endParaRPr b="0" lang="en-US" sz="2000" strike="noStrike" u="none">
-              <a:solidFill>
-                <a:srgbClr val="000000"/>
-              </a:solidFill>
-              <a:effectLst/>
-              <a:uFillTx/>
-              <a:latin typeface="Arial"/>
-            </a:endParaRPr>
-          </a:p>
-          <a:p>
-            <a:pPr lvl="5" marL="2592000" indent="-216000">
-              <a:spcBef>
-                <a:spcPts val="283"/>
-              </a:spcBef>
-              <a:buClr>
-                <a:srgbClr val="000000"/>
-              </a:buClr>
-              <a:buSzPct val="45000"/>
-              <a:buFont typeface="Wingdings" charset="2"/>
-              <a:buChar char=""/>
-            </a:pPr>
-            <a:r>
-              <a:rPr b="0" lang="en-US" sz="2000" strike="noStrike" u="none">
-                <a:solidFill>
-                  <a:srgbClr val="000000"/>
-                </a:solidFill>
-                <a:effectLst/>
-                <a:uFillTx/>
-                <a:latin typeface="Arial"/>
-              </a:rPr>
-              <a:t>Sixth Outline Level</a:t>
-            </a:r>
-            <a:endParaRPr b="0" lang="en-US" sz="2000" strike="noStrike" u="none">
-              <a:solidFill>
-                <a:srgbClr val="000000"/>
-              </a:solidFill>
-              <a:effectLst/>
-              <a:uFillTx/>
-              <a:latin typeface="Arial"/>
-            </a:endParaRPr>
-          </a:p>
-          <a:p>
-            <a:pPr lvl="6" marL="3024000" indent="-216000">
-              <a:spcBef>
-                <a:spcPts val="283"/>
-              </a:spcBef>
-              <a:buClr>
-                <a:srgbClr val="000000"/>
-              </a:buClr>
-              <a:buSzPct val="45000"/>
-              <a:buFont typeface="Wingdings" charset="2"/>
-              <a:buChar char=""/>
-            </a:pPr>
-            <a:r>
-              <a:rPr b="0" lang="en-US" sz="2000" strike="noStrike" u="none">
-                <a:solidFill>
-                  <a:srgbClr val="000000"/>
-                </a:solidFill>
-                <a:effectLst/>
-                <a:uFillTx/>
-                <a:latin typeface="Arial"/>
-              </a:rPr>
-              <a:t>Seventh Outline Level</a:t>
-            </a:r>
-            <a:endParaRPr b="0" lang="en-US" sz="2000" strike="noStrike" u="none">
-              <a:solidFill>
-                <a:srgbClr val="000000"/>
-              </a:solidFill>
-              <a:effectLst/>
-              <a:uFillTx/>
-              <a:latin typeface="Arial"/>
             </a:endParaRPr>
           </a:p>
         </p:txBody>
@@ -752,7 +499,7 @@
       </p:grpSpPr>
       <p:sp>
         <p:nvSpPr>
-          <p:cNvPr id="7" name="PlaceHolder 1"/>
+          <p:cNvPr id="6" name="PlaceHolder 1"/>
           <p:cNvSpPr>
             <a:spLocks noGrp="1"/>
           </p:cNvSpPr>
@@ -762,8 +509,8 @@
         </p:nvSpPr>
         <p:spPr>
           <a:xfrm>
-            <a:off x="504000" y="225720"/>
-            <a:ext cx="9071280" cy="946800"/>
+            <a:off x="504000" y="225360"/>
+            <a:ext cx="9070920" cy="947160"/>
           </a:xfrm>
           <a:prstGeom prst="rect">
             <a:avLst/>
@@ -783,6 +530,9 @@
                 <a:spcPct val="100000"/>
               </a:lnSpc>
               <a:buNone/>
+              <a:tabLst>
+                <a:tab algn="l" pos="0"/>
+              </a:tabLst>
             </a:pPr>
             <a:r>
               <a:rPr b="0" lang="en-US" sz="1800" strike="noStrike" u="none">
@@ -808,7 +558,7 @@
       </p:sp>
       <p:sp>
         <p:nvSpPr>
-          <p:cNvPr id="8" name="PlaceHolder 2"/>
+          <p:cNvPr id="7" name="PlaceHolder 2"/>
           <p:cNvSpPr>
             <a:spLocks noGrp="1"/>
           </p:cNvSpPr>
@@ -818,8 +568,8 @@
         </p:nvSpPr>
         <p:spPr>
           <a:xfrm>
-            <a:off x="504000" y="1326240"/>
-            <a:ext cx="9071280" cy="3288600"/>
+            <a:off x="504000" y="1325880"/>
+            <a:ext cx="9070920" cy="3288960"/>
           </a:xfrm>
           <a:prstGeom prst="rect">
             <a:avLst/>
@@ -839,6 +589,9 @@
                 <a:spcPct val="100000"/>
               </a:lnSpc>
               <a:buNone/>
+              <a:tabLst>
+                <a:tab algn="l" pos="0"/>
+              </a:tabLst>
             </a:pPr>
             <a:r>
               <a:rPr b="0" lang="en-US" sz="1800" strike="noStrike" u="none">
@@ -849,7 +602,7 @@
                 <a:uFillTx/>
                 <a:latin typeface="Arial"/>
               </a:rPr>
-              <a:t>world</a:t>
+              <a:t>{{world}}</a:t>
             </a:r>
             <a:endParaRPr b="0" lang="en-US" sz="1800" strike="noStrike" u="none">
               <a:solidFill>
